--- a/MSc CGE – MathsGfx3 – Coursework3.pptx
+++ b/MSc CGE – MathsGfx3 – Coursework3.pptx
@@ -6195,24 +6195,7 @@
                 <a:ea typeface="+mn-ea"/>
                 <a:cs typeface="+mn-cs"/>
               </a:rPr>
-              <a:t>A mathematical model </a:t>
-            </a:r>
-            <a:r>
-              <a:rPr kumimoji="0" lang="en-US" altLang="zh-CN" sz="2300" b="0" i="0" u="none" strike="noStrike" kern="1200" cap="none" spc="0" normalizeH="0" baseline="0" noProof="0" dirty="0" smtClean="0">
-                <a:ln>
-                  <a:noFill/>
-                </a:ln>
-                <a:solidFill>
-                  <a:schemeClr val="tx1"/>
-                </a:solidFill>
-                <a:effectLst/>
-                <a:uLnTx/>
-                <a:uFillTx/>
-                <a:latin typeface="+mn-lt"/>
-                <a:ea typeface="+mn-ea"/>
-                <a:cs typeface="+mn-cs"/>
-              </a:rPr>
-              <a:t>that</a:t>
+              <a:t>A mathematical model that</a:t>
             </a:r>
             <a:r>
               <a:rPr kumimoji="0" lang="en-US" altLang="zh-CN" sz="2300" b="0" i="0" u="none" strike="noStrike" kern="1200" cap="none" spc="0" normalizeH="0" noProof="0" dirty="0" smtClean="0">
@@ -6246,24 +6229,7 @@
                 <a:ea typeface="+mn-ea"/>
                 <a:cs typeface="+mn-cs"/>
               </a:rPr>
-              <a:t>offers </a:t>
-            </a:r>
-            <a:r>
-              <a:rPr kumimoji="0" lang="en-US" altLang="zh-CN" sz="2300" b="0" i="0" u="none" strike="noStrike" kern="1200" cap="none" spc="0" normalizeH="0" baseline="0" noProof="0" dirty="0" smtClean="0">
-                <a:ln>
-                  <a:noFill/>
-                </a:ln>
-                <a:solidFill>
-                  <a:schemeClr val="tx1"/>
-                </a:solidFill>
-                <a:effectLst/>
-                <a:uLnTx/>
-                <a:uFillTx/>
-                <a:latin typeface="+mn-lt"/>
-                <a:ea typeface="+mn-ea"/>
-                <a:cs typeface="+mn-cs"/>
-              </a:rPr>
-              <a:t>great flexibility and precision for handling </a:t>
+              <a:t>offers great flexibility and precision for handling </a:t>
             </a:r>
             <a:r>
               <a:rPr kumimoji="0" lang="en-US" altLang="zh-CN" sz="2300" b="0" i="0" u="none" strike="noStrike" kern="1200" cap="none" spc="0" normalizeH="0" baseline="0" noProof="0" dirty="0" err="1" smtClean="0">
@@ -6313,11 +6279,7 @@
             </a:pPr>
             <a:r>
               <a:rPr lang="en-US" altLang="zh-CN" sz="2400" dirty="0" smtClean="0"/>
-              <a:t>The </a:t>
-            </a:r>
-            <a:r>
-              <a:rPr lang="en-US" altLang="zh-CN" sz="2400" dirty="0" smtClean="0"/>
-              <a:t>generalization of B-</a:t>
+              <a:t>The generalization of B-</a:t>
             </a:r>
             <a:r>
               <a:rPr lang="en-US" altLang="zh-CN" sz="2400" dirty="0" err="1" smtClean="0"/>
@@ -6325,17 +6287,8 @@
             </a:r>
             <a:r>
               <a:rPr lang="en-US" altLang="zh-CN" sz="2400" dirty="0" smtClean="0"/>
-              <a:t>, which in turn is </a:t>
-            </a:r>
-            <a:r>
-              <a:rPr lang="en-US" altLang="zh-CN" sz="2400" dirty="0" smtClean="0"/>
-              <a:t>the generalization </a:t>
-            </a:r>
-            <a:r>
-              <a:rPr lang="en-US" altLang="zh-CN" sz="2400" dirty="0" smtClean="0"/>
-              <a:t>of Bezier. </a:t>
-            </a:r>
-            <a:endParaRPr lang="en-US" altLang="zh-CN" sz="2400" dirty="0" smtClean="0"/>
+              <a:t>, which in turn is the generalization of Bezier. </a:t>
+            </a:r>
           </a:p>
           <a:p>
             <a:pPr marL="621792" lvl="1" indent="-228600">
@@ -7483,8 +7436,16 @@
               <a:t>The </a:t>
             </a:r>
             <a:r>
+              <a:rPr lang="en-GB" sz="1600" dirty="0" smtClean="0"/>
+              <a:t>wave</a:t>
+            </a:r>
+            <a:r>
+              <a:rPr lang="en-GB" sz="1600" dirty="0" smtClean="0"/>
+              <a:t>-to-wave </a:t>
+            </a:r>
+            <a:r>
               <a:rPr lang="en-GB" sz="1600" dirty="0"/>
-              <a:t>crest-to-crest distance between waves in world space. Wavelength </a:t>
+              <a:t>distance between waves in world space. Wavelength </a:t>
             </a:r>
             <a:r>
               <a:rPr lang="en-GB" sz="1600" i="1" dirty="0"/>
@@ -7660,7 +7621,7 @@
         </p:blipFill>
         <p:spPr bwMode="auto">
           <a:xfrm>
-            <a:off x="3851920" y="4653136"/>
+            <a:off x="5292080" y="4437112"/>
             <a:ext cx="190500" cy="219075"/>
           </a:xfrm>
           <a:prstGeom prst="rect">
@@ -7686,7 +7647,7 @@
         </p:blipFill>
         <p:spPr bwMode="auto">
           <a:xfrm>
-            <a:off x="4788024" y="4653136"/>
+            <a:off x="6372200" y="4437112"/>
             <a:ext cx="190500" cy="219075"/>
           </a:xfrm>
           <a:prstGeom prst="rect">
